--- a/ppt 16-9/1083.我是主羊.pptx
+++ b/ppt 16-9/1083.我是主羊.pptx
@@ -129,7 +129,7 @@
           <p:cNvPr id="2" name="标题 1">
             <a:extLst>
               <a:ext uri="{FF2B5EF4-FFF2-40B4-BE49-F238E27FC236}">
-                <a16:creationId xmlns:a16="http://schemas.microsoft.com/office/drawing/2014/main" id="{734E77D3-777E-DA5F-A052-1E80E67E3132}"/>
+                <a16:creationId xmlns:a16="http://schemas.microsoft.com/office/drawing/2014/main" id="{72766934-09C3-A913-0456-EFA75E3310A9}"/>
               </a:ext>
             </a:extLst>
           </p:cNvPr>
@@ -166,7 +166,7 @@
           <p:cNvPr id="3" name="副标题 2">
             <a:extLst>
               <a:ext uri="{FF2B5EF4-FFF2-40B4-BE49-F238E27FC236}">
-                <a16:creationId xmlns:a16="http://schemas.microsoft.com/office/drawing/2014/main" id="{C96CEAF5-0F72-1245-EC98-3398AA7D0D65}"/>
+                <a16:creationId xmlns:a16="http://schemas.microsoft.com/office/drawing/2014/main" id="{6DD8E8CE-CC03-BA4C-AEA6-57A6DAF02CCA}"/>
               </a:ext>
             </a:extLst>
           </p:cNvPr>
@@ -236,7 +236,7 @@
           <p:cNvPr id="4" name="日期占位符 3">
             <a:extLst>
               <a:ext uri="{FF2B5EF4-FFF2-40B4-BE49-F238E27FC236}">
-                <a16:creationId xmlns:a16="http://schemas.microsoft.com/office/drawing/2014/main" id="{A7B65ABB-AA00-0DC1-62FD-11BF6F0D59A6}"/>
+                <a16:creationId xmlns:a16="http://schemas.microsoft.com/office/drawing/2014/main" id="{018E8505-C1FF-A60C-8FDD-379C2920E709}"/>
               </a:ext>
             </a:extLst>
           </p:cNvPr>
@@ -252,7 +252,7 @@
           <a:bodyPr/>
           <a:lstStyle/>
           <a:p>
-            <a:fld id="{7F6823AE-83F5-4C0A-AF88-4A268BC799D7}" type="datetimeFigureOut">
+            <a:fld id="{40A555B8-C7BB-4258-9286-F9CA2B42C641}" type="datetimeFigureOut">
               <a:rPr lang="zh-CN" altLang="en-US" smtClean="0"/>
               <a:t>2024/3/10</a:t>
             </a:fld>
@@ -265,7 +265,7 @@
           <p:cNvPr id="5" name="页脚占位符 4">
             <a:extLst>
               <a:ext uri="{FF2B5EF4-FFF2-40B4-BE49-F238E27FC236}">
-                <a16:creationId xmlns:a16="http://schemas.microsoft.com/office/drawing/2014/main" id="{753E0BE9-266C-A000-3EC5-8EE69904BBD5}"/>
+                <a16:creationId xmlns:a16="http://schemas.microsoft.com/office/drawing/2014/main" id="{E182BD33-F5A5-25FB-9516-FBF70146B17D}"/>
               </a:ext>
             </a:extLst>
           </p:cNvPr>
@@ -290,7 +290,7 @@
           <p:cNvPr id="6" name="灯片编号占位符 5">
             <a:extLst>
               <a:ext uri="{FF2B5EF4-FFF2-40B4-BE49-F238E27FC236}">
-                <a16:creationId xmlns:a16="http://schemas.microsoft.com/office/drawing/2014/main" id="{DFC5F770-4421-D761-F6E8-34733F0D7859}"/>
+                <a16:creationId xmlns:a16="http://schemas.microsoft.com/office/drawing/2014/main" id="{6B052D04-BCAB-B9BB-139C-1822E35AAAA0}"/>
               </a:ext>
             </a:extLst>
           </p:cNvPr>
@@ -306,7 +306,7 @@
           <a:bodyPr/>
           <a:lstStyle/>
           <a:p>
-            <a:fld id="{28E96DFE-E7BE-4723-85B1-4F293545AD93}" type="slidenum">
+            <a:fld id="{222D343F-BC64-4359-95A4-D89BBFB8367E}" type="slidenum">
               <a:rPr lang="zh-CN" altLang="en-US" smtClean="0"/>
               <a:t>‹#›</a:t>
             </a:fld>
@@ -317,7 +317,7 @@
     </p:spTree>
     <p:extLst>
       <p:ext uri="{BB962C8B-B14F-4D97-AF65-F5344CB8AC3E}">
-        <p14:creationId xmlns:p14="http://schemas.microsoft.com/office/powerpoint/2010/main" val="2181523795"/>
+        <p14:creationId xmlns:p14="http://schemas.microsoft.com/office/powerpoint/2010/main" val="1138492355"/>
       </p:ext>
     </p:extLst>
   </p:cSld>
@@ -349,7 +349,7 @@
           <p:cNvPr id="2" name="标题 1">
             <a:extLst>
               <a:ext uri="{FF2B5EF4-FFF2-40B4-BE49-F238E27FC236}">
-                <a16:creationId xmlns:a16="http://schemas.microsoft.com/office/drawing/2014/main" id="{AB0ECAAA-21F3-B600-5339-F7DB9B5C5B15}"/>
+                <a16:creationId xmlns:a16="http://schemas.microsoft.com/office/drawing/2014/main" id="{CB3FCF48-5F06-57D7-0432-0A5B47F1C9B6}"/>
               </a:ext>
             </a:extLst>
           </p:cNvPr>
@@ -377,7 +377,7 @@
           <p:cNvPr id="3" name="竖排文字占位符 2">
             <a:extLst>
               <a:ext uri="{FF2B5EF4-FFF2-40B4-BE49-F238E27FC236}">
-                <a16:creationId xmlns:a16="http://schemas.microsoft.com/office/drawing/2014/main" id="{8DA4DD3D-0830-9044-91F9-47C4817CAD6E}"/>
+                <a16:creationId xmlns:a16="http://schemas.microsoft.com/office/drawing/2014/main" id="{234DF57F-554F-739D-2446-015FF36FA96C}"/>
               </a:ext>
             </a:extLst>
           </p:cNvPr>
@@ -434,7 +434,7 @@
           <p:cNvPr id="4" name="日期占位符 3">
             <a:extLst>
               <a:ext uri="{FF2B5EF4-FFF2-40B4-BE49-F238E27FC236}">
-                <a16:creationId xmlns:a16="http://schemas.microsoft.com/office/drawing/2014/main" id="{815091C4-01BE-EB12-2637-58BFF27129C0}"/>
+                <a16:creationId xmlns:a16="http://schemas.microsoft.com/office/drawing/2014/main" id="{99BB0C58-4C76-190E-CB82-A57C0E949157}"/>
               </a:ext>
             </a:extLst>
           </p:cNvPr>
@@ -450,7 +450,7 @@
           <a:bodyPr/>
           <a:lstStyle/>
           <a:p>
-            <a:fld id="{7F6823AE-83F5-4C0A-AF88-4A268BC799D7}" type="datetimeFigureOut">
+            <a:fld id="{40A555B8-C7BB-4258-9286-F9CA2B42C641}" type="datetimeFigureOut">
               <a:rPr lang="zh-CN" altLang="en-US" smtClean="0"/>
               <a:t>2024/3/10</a:t>
             </a:fld>
@@ -463,7 +463,7 @@
           <p:cNvPr id="5" name="页脚占位符 4">
             <a:extLst>
               <a:ext uri="{FF2B5EF4-FFF2-40B4-BE49-F238E27FC236}">
-                <a16:creationId xmlns:a16="http://schemas.microsoft.com/office/drawing/2014/main" id="{2CDD2A75-28BC-9EE8-9A36-AED95FC24DF3}"/>
+                <a16:creationId xmlns:a16="http://schemas.microsoft.com/office/drawing/2014/main" id="{EA716058-627E-043A-1982-436CCCCEB45B}"/>
               </a:ext>
             </a:extLst>
           </p:cNvPr>
@@ -488,7 +488,7 @@
           <p:cNvPr id="6" name="灯片编号占位符 5">
             <a:extLst>
               <a:ext uri="{FF2B5EF4-FFF2-40B4-BE49-F238E27FC236}">
-                <a16:creationId xmlns:a16="http://schemas.microsoft.com/office/drawing/2014/main" id="{2F7F9604-45E3-1F1D-6D0C-3FFFF54A80C1}"/>
+                <a16:creationId xmlns:a16="http://schemas.microsoft.com/office/drawing/2014/main" id="{ADEC6766-5FC7-22F6-D093-0F1ACC8156CF}"/>
               </a:ext>
             </a:extLst>
           </p:cNvPr>
@@ -504,7 +504,7 @@
           <a:bodyPr/>
           <a:lstStyle/>
           <a:p>
-            <a:fld id="{28E96DFE-E7BE-4723-85B1-4F293545AD93}" type="slidenum">
+            <a:fld id="{222D343F-BC64-4359-95A4-D89BBFB8367E}" type="slidenum">
               <a:rPr lang="zh-CN" altLang="en-US" smtClean="0"/>
               <a:t>‹#›</a:t>
             </a:fld>
@@ -515,7 +515,7 @@
     </p:spTree>
     <p:extLst>
       <p:ext uri="{BB962C8B-B14F-4D97-AF65-F5344CB8AC3E}">
-        <p14:creationId xmlns:p14="http://schemas.microsoft.com/office/powerpoint/2010/main" val="1788715228"/>
+        <p14:creationId xmlns:p14="http://schemas.microsoft.com/office/powerpoint/2010/main" val="898415357"/>
       </p:ext>
     </p:extLst>
   </p:cSld>
@@ -547,7 +547,7 @@
           <p:cNvPr id="2" name="竖排标题 1">
             <a:extLst>
               <a:ext uri="{FF2B5EF4-FFF2-40B4-BE49-F238E27FC236}">
-                <a16:creationId xmlns:a16="http://schemas.microsoft.com/office/drawing/2014/main" id="{02DB411D-168F-7FA6-22D8-556130B998E4}"/>
+                <a16:creationId xmlns:a16="http://schemas.microsoft.com/office/drawing/2014/main" id="{5541E183-4307-3E2C-46B0-BAB421A796D5}"/>
               </a:ext>
             </a:extLst>
           </p:cNvPr>
@@ -580,7 +580,7 @@
           <p:cNvPr id="3" name="竖排文字占位符 2">
             <a:extLst>
               <a:ext uri="{FF2B5EF4-FFF2-40B4-BE49-F238E27FC236}">
-                <a16:creationId xmlns:a16="http://schemas.microsoft.com/office/drawing/2014/main" id="{5626CA56-49B9-7B26-E43E-EBEE7A09C7EF}"/>
+                <a16:creationId xmlns:a16="http://schemas.microsoft.com/office/drawing/2014/main" id="{A437A2A2-28F1-A7E6-4D01-03FC0A658290}"/>
               </a:ext>
             </a:extLst>
           </p:cNvPr>
@@ -642,7 +642,7 @@
           <p:cNvPr id="4" name="日期占位符 3">
             <a:extLst>
               <a:ext uri="{FF2B5EF4-FFF2-40B4-BE49-F238E27FC236}">
-                <a16:creationId xmlns:a16="http://schemas.microsoft.com/office/drawing/2014/main" id="{9AB765C2-2859-5070-02BC-1FE96B30DCF1}"/>
+                <a16:creationId xmlns:a16="http://schemas.microsoft.com/office/drawing/2014/main" id="{85AB891F-664A-BB87-3ADE-1F3DC9F72D4B}"/>
               </a:ext>
             </a:extLst>
           </p:cNvPr>
@@ -658,7 +658,7 @@
           <a:bodyPr/>
           <a:lstStyle/>
           <a:p>
-            <a:fld id="{7F6823AE-83F5-4C0A-AF88-4A268BC799D7}" type="datetimeFigureOut">
+            <a:fld id="{40A555B8-C7BB-4258-9286-F9CA2B42C641}" type="datetimeFigureOut">
               <a:rPr lang="zh-CN" altLang="en-US" smtClean="0"/>
               <a:t>2024/3/10</a:t>
             </a:fld>
@@ -671,7 +671,7 @@
           <p:cNvPr id="5" name="页脚占位符 4">
             <a:extLst>
               <a:ext uri="{FF2B5EF4-FFF2-40B4-BE49-F238E27FC236}">
-                <a16:creationId xmlns:a16="http://schemas.microsoft.com/office/drawing/2014/main" id="{E0669BF7-1BF9-17F1-E2D0-2D66B376FF05}"/>
+                <a16:creationId xmlns:a16="http://schemas.microsoft.com/office/drawing/2014/main" id="{490C4F14-9D31-1203-F0A9-59F33CC271DE}"/>
               </a:ext>
             </a:extLst>
           </p:cNvPr>
@@ -696,7 +696,7 @@
           <p:cNvPr id="6" name="灯片编号占位符 5">
             <a:extLst>
               <a:ext uri="{FF2B5EF4-FFF2-40B4-BE49-F238E27FC236}">
-                <a16:creationId xmlns:a16="http://schemas.microsoft.com/office/drawing/2014/main" id="{DC573C59-42B3-C656-01BC-93EA03A27EED}"/>
+                <a16:creationId xmlns:a16="http://schemas.microsoft.com/office/drawing/2014/main" id="{0B9FACB7-224A-BB87-0315-8E36692C7441}"/>
               </a:ext>
             </a:extLst>
           </p:cNvPr>
@@ -712,7 +712,7 @@
           <a:bodyPr/>
           <a:lstStyle/>
           <a:p>
-            <a:fld id="{28E96DFE-E7BE-4723-85B1-4F293545AD93}" type="slidenum">
+            <a:fld id="{222D343F-BC64-4359-95A4-D89BBFB8367E}" type="slidenum">
               <a:rPr lang="zh-CN" altLang="en-US" smtClean="0"/>
               <a:t>‹#›</a:t>
             </a:fld>
@@ -723,7 +723,7 @@
     </p:spTree>
     <p:extLst>
       <p:ext uri="{BB962C8B-B14F-4D97-AF65-F5344CB8AC3E}">
-        <p14:creationId xmlns:p14="http://schemas.microsoft.com/office/powerpoint/2010/main" val="2394815111"/>
+        <p14:creationId xmlns:p14="http://schemas.microsoft.com/office/powerpoint/2010/main" val="2892381082"/>
       </p:ext>
     </p:extLst>
   </p:cSld>
@@ -755,7 +755,7 @@
           <p:cNvPr id="2" name="标题 1">
             <a:extLst>
               <a:ext uri="{FF2B5EF4-FFF2-40B4-BE49-F238E27FC236}">
-                <a16:creationId xmlns:a16="http://schemas.microsoft.com/office/drawing/2014/main" id="{346BA85B-4138-99A7-2AEA-8093CF08A487}"/>
+                <a16:creationId xmlns:a16="http://schemas.microsoft.com/office/drawing/2014/main" id="{418E71DE-9D81-1D58-85B7-12011A4FBB0E}"/>
               </a:ext>
             </a:extLst>
           </p:cNvPr>
@@ -783,7 +783,7 @@
           <p:cNvPr id="3" name="内容占位符 2">
             <a:extLst>
               <a:ext uri="{FF2B5EF4-FFF2-40B4-BE49-F238E27FC236}">
-                <a16:creationId xmlns:a16="http://schemas.microsoft.com/office/drawing/2014/main" id="{5FD4D876-CB58-B6EA-993C-6514ACDD1B2B}"/>
+                <a16:creationId xmlns:a16="http://schemas.microsoft.com/office/drawing/2014/main" id="{0FB16EFB-E6E1-0F17-6C93-9FE046781973}"/>
               </a:ext>
             </a:extLst>
           </p:cNvPr>
@@ -840,7 +840,7 @@
           <p:cNvPr id="4" name="日期占位符 3">
             <a:extLst>
               <a:ext uri="{FF2B5EF4-FFF2-40B4-BE49-F238E27FC236}">
-                <a16:creationId xmlns:a16="http://schemas.microsoft.com/office/drawing/2014/main" id="{E630BD35-9CA0-AF13-93A4-08F7D6A53054}"/>
+                <a16:creationId xmlns:a16="http://schemas.microsoft.com/office/drawing/2014/main" id="{5C674925-AD29-8D04-F44D-5D3B8CCED79F}"/>
               </a:ext>
             </a:extLst>
           </p:cNvPr>
@@ -856,7 +856,7 @@
           <a:bodyPr/>
           <a:lstStyle/>
           <a:p>
-            <a:fld id="{7F6823AE-83F5-4C0A-AF88-4A268BC799D7}" type="datetimeFigureOut">
+            <a:fld id="{40A555B8-C7BB-4258-9286-F9CA2B42C641}" type="datetimeFigureOut">
               <a:rPr lang="zh-CN" altLang="en-US" smtClean="0"/>
               <a:t>2024/3/10</a:t>
             </a:fld>
@@ -869,7 +869,7 @@
           <p:cNvPr id="5" name="页脚占位符 4">
             <a:extLst>
               <a:ext uri="{FF2B5EF4-FFF2-40B4-BE49-F238E27FC236}">
-                <a16:creationId xmlns:a16="http://schemas.microsoft.com/office/drawing/2014/main" id="{813474FD-4EE9-4216-70A4-21B5ACCB1D56}"/>
+                <a16:creationId xmlns:a16="http://schemas.microsoft.com/office/drawing/2014/main" id="{7A527641-4FEF-1E84-51C1-341C92CB73BD}"/>
               </a:ext>
             </a:extLst>
           </p:cNvPr>
@@ -894,7 +894,7 @@
           <p:cNvPr id="6" name="灯片编号占位符 5">
             <a:extLst>
               <a:ext uri="{FF2B5EF4-FFF2-40B4-BE49-F238E27FC236}">
-                <a16:creationId xmlns:a16="http://schemas.microsoft.com/office/drawing/2014/main" id="{0AD81C4C-2591-3B21-B334-A9BF8FED3693}"/>
+                <a16:creationId xmlns:a16="http://schemas.microsoft.com/office/drawing/2014/main" id="{059DEEA9-8846-6477-335E-9DB9BF86F4BB}"/>
               </a:ext>
             </a:extLst>
           </p:cNvPr>
@@ -910,7 +910,7 @@
           <a:bodyPr/>
           <a:lstStyle/>
           <a:p>
-            <a:fld id="{28E96DFE-E7BE-4723-85B1-4F293545AD93}" type="slidenum">
+            <a:fld id="{222D343F-BC64-4359-95A4-D89BBFB8367E}" type="slidenum">
               <a:rPr lang="zh-CN" altLang="en-US" smtClean="0"/>
               <a:t>‹#›</a:t>
             </a:fld>
@@ -921,7 +921,7 @@
     </p:spTree>
     <p:extLst>
       <p:ext uri="{BB962C8B-B14F-4D97-AF65-F5344CB8AC3E}">
-        <p14:creationId xmlns:p14="http://schemas.microsoft.com/office/powerpoint/2010/main" val="349083577"/>
+        <p14:creationId xmlns:p14="http://schemas.microsoft.com/office/powerpoint/2010/main" val="4257700598"/>
       </p:ext>
     </p:extLst>
   </p:cSld>
@@ -953,7 +953,7 @@
           <p:cNvPr id="2" name="标题 1">
             <a:extLst>
               <a:ext uri="{FF2B5EF4-FFF2-40B4-BE49-F238E27FC236}">
-                <a16:creationId xmlns:a16="http://schemas.microsoft.com/office/drawing/2014/main" id="{0E477CF3-878E-55DB-A73B-38DF50BF6DB3}"/>
+                <a16:creationId xmlns:a16="http://schemas.microsoft.com/office/drawing/2014/main" id="{6421EC72-493C-4ABB-8152-6F3CDBD19261}"/>
               </a:ext>
             </a:extLst>
           </p:cNvPr>
@@ -990,7 +990,7 @@
           <p:cNvPr id="3" name="文本占位符 2">
             <a:extLst>
               <a:ext uri="{FF2B5EF4-FFF2-40B4-BE49-F238E27FC236}">
-                <a16:creationId xmlns:a16="http://schemas.microsoft.com/office/drawing/2014/main" id="{CF9904A1-FFBC-ED94-8ADF-717B6DE82BDB}"/>
+                <a16:creationId xmlns:a16="http://schemas.microsoft.com/office/drawing/2014/main" id="{EB8BE5AA-7BED-83F6-3A22-E3B5412CA4D4}"/>
               </a:ext>
             </a:extLst>
           </p:cNvPr>
@@ -1115,7 +1115,7 @@
           <p:cNvPr id="4" name="日期占位符 3">
             <a:extLst>
               <a:ext uri="{FF2B5EF4-FFF2-40B4-BE49-F238E27FC236}">
-                <a16:creationId xmlns:a16="http://schemas.microsoft.com/office/drawing/2014/main" id="{E112DC5D-9AC7-6F88-52F4-8B678307A047}"/>
+                <a16:creationId xmlns:a16="http://schemas.microsoft.com/office/drawing/2014/main" id="{910DEB53-C958-7011-0A7E-EE9E6E5686DD}"/>
               </a:ext>
             </a:extLst>
           </p:cNvPr>
@@ -1131,7 +1131,7 @@
           <a:bodyPr/>
           <a:lstStyle/>
           <a:p>
-            <a:fld id="{7F6823AE-83F5-4C0A-AF88-4A268BC799D7}" type="datetimeFigureOut">
+            <a:fld id="{40A555B8-C7BB-4258-9286-F9CA2B42C641}" type="datetimeFigureOut">
               <a:rPr lang="zh-CN" altLang="en-US" smtClean="0"/>
               <a:t>2024/3/10</a:t>
             </a:fld>
@@ -1144,7 +1144,7 @@
           <p:cNvPr id="5" name="页脚占位符 4">
             <a:extLst>
               <a:ext uri="{FF2B5EF4-FFF2-40B4-BE49-F238E27FC236}">
-                <a16:creationId xmlns:a16="http://schemas.microsoft.com/office/drawing/2014/main" id="{6FA33EAB-F8D5-178B-49BE-308559A8B299}"/>
+                <a16:creationId xmlns:a16="http://schemas.microsoft.com/office/drawing/2014/main" id="{208019E8-36B6-17C1-56FC-8504405E986B}"/>
               </a:ext>
             </a:extLst>
           </p:cNvPr>
@@ -1169,7 +1169,7 @@
           <p:cNvPr id="6" name="灯片编号占位符 5">
             <a:extLst>
               <a:ext uri="{FF2B5EF4-FFF2-40B4-BE49-F238E27FC236}">
-                <a16:creationId xmlns:a16="http://schemas.microsoft.com/office/drawing/2014/main" id="{53AAB5D0-BA43-2084-69E1-F886FE7678BF}"/>
+                <a16:creationId xmlns:a16="http://schemas.microsoft.com/office/drawing/2014/main" id="{D124969A-2631-2A22-0553-5555D0213402}"/>
               </a:ext>
             </a:extLst>
           </p:cNvPr>
@@ -1185,7 +1185,7 @@
           <a:bodyPr/>
           <a:lstStyle/>
           <a:p>
-            <a:fld id="{28E96DFE-E7BE-4723-85B1-4F293545AD93}" type="slidenum">
+            <a:fld id="{222D343F-BC64-4359-95A4-D89BBFB8367E}" type="slidenum">
               <a:rPr lang="zh-CN" altLang="en-US" smtClean="0"/>
               <a:t>‹#›</a:t>
             </a:fld>
@@ -1196,7 +1196,7 @@
     </p:spTree>
     <p:extLst>
       <p:ext uri="{BB962C8B-B14F-4D97-AF65-F5344CB8AC3E}">
-        <p14:creationId xmlns:p14="http://schemas.microsoft.com/office/powerpoint/2010/main" val="3358115840"/>
+        <p14:creationId xmlns:p14="http://schemas.microsoft.com/office/powerpoint/2010/main" val="3364774943"/>
       </p:ext>
     </p:extLst>
   </p:cSld>
@@ -1228,7 +1228,7 @@
           <p:cNvPr id="2" name="标题 1">
             <a:extLst>
               <a:ext uri="{FF2B5EF4-FFF2-40B4-BE49-F238E27FC236}">
-                <a16:creationId xmlns:a16="http://schemas.microsoft.com/office/drawing/2014/main" id="{82FF3AA3-2DE4-9446-10A0-2996E91914DE}"/>
+                <a16:creationId xmlns:a16="http://schemas.microsoft.com/office/drawing/2014/main" id="{C1F19A23-827F-3B30-1EBB-CA2CDB98829C}"/>
               </a:ext>
             </a:extLst>
           </p:cNvPr>
@@ -1256,7 +1256,7 @@
           <p:cNvPr id="3" name="内容占位符 2">
             <a:extLst>
               <a:ext uri="{FF2B5EF4-FFF2-40B4-BE49-F238E27FC236}">
-                <a16:creationId xmlns:a16="http://schemas.microsoft.com/office/drawing/2014/main" id="{BE8B3E90-1320-63BF-7C0F-83E5B7B0E778}"/>
+                <a16:creationId xmlns:a16="http://schemas.microsoft.com/office/drawing/2014/main" id="{0BC3F3C6-DA16-4C5D-996E-8D9376F2FCDA}"/>
               </a:ext>
             </a:extLst>
           </p:cNvPr>
@@ -1318,7 +1318,7 @@
           <p:cNvPr id="4" name="内容占位符 3">
             <a:extLst>
               <a:ext uri="{FF2B5EF4-FFF2-40B4-BE49-F238E27FC236}">
-                <a16:creationId xmlns:a16="http://schemas.microsoft.com/office/drawing/2014/main" id="{43B6AD3A-461B-288D-A040-924ACF373C01}"/>
+                <a16:creationId xmlns:a16="http://schemas.microsoft.com/office/drawing/2014/main" id="{AFACE1C1-D45A-4EE3-358C-974E750DB400}"/>
               </a:ext>
             </a:extLst>
           </p:cNvPr>
@@ -1380,7 +1380,7 @@
           <p:cNvPr id="5" name="日期占位符 4">
             <a:extLst>
               <a:ext uri="{FF2B5EF4-FFF2-40B4-BE49-F238E27FC236}">
-                <a16:creationId xmlns:a16="http://schemas.microsoft.com/office/drawing/2014/main" id="{AE174787-3F9D-EA7E-2FD9-FBC74BC062B9}"/>
+                <a16:creationId xmlns:a16="http://schemas.microsoft.com/office/drawing/2014/main" id="{691425B4-5AB9-0100-727D-0ADB7B5F67B5}"/>
               </a:ext>
             </a:extLst>
           </p:cNvPr>
@@ -1396,7 +1396,7 @@
           <a:bodyPr/>
           <a:lstStyle/>
           <a:p>
-            <a:fld id="{7F6823AE-83F5-4C0A-AF88-4A268BC799D7}" type="datetimeFigureOut">
+            <a:fld id="{40A555B8-C7BB-4258-9286-F9CA2B42C641}" type="datetimeFigureOut">
               <a:rPr lang="zh-CN" altLang="en-US" smtClean="0"/>
               <a:t>2024/3/10</a:t>
             </a:fld>
@@ -1409,7 +1409,7 @@
           <p:cNvPr id="6" name="页脚占位符 5">
             <a:extLst>
               <a:ext uri="{FF2B5EF4-FFF2-40B4-BE49-F238E27FC236}">
-                <a16:creationId xmlns:a16="http://schemas.microsoft.com/office/drawing/2014/main" id="{9C2BAA4F-A5C5-43B9-74DD-07164785C814}"/>
+                <a16:creationId xmlns:a16="http://schemas.microsoft.com/office/drawing/2014/main" id="{2853E7A9-A566-717F-587F-4F4D1E1E4957}"/>
               </a:ext>
             </a:extLst>
           </p:cNvPr>
@@ -1434,7 +1434,7 @@
           <p:cNvPr id="7" name="灯片编号占位符 6">
             <a:extLst>
               <a:ext uri="{FF2B5EF4-FFF2-40B4-BE49-F238E27FC236}">
-                <a16:creationId xmlns:a16="http://schemas.microsoft.com/office/drawing/2014/main" id="{8F427B78-34A8-2CE2-C229-83042E780A20}"/>
+                <a16:creationId xmlns:a16="http://schemas.microsoft.com/office/drawing/2014/main" id="{37B3959E-40FD-846D-B621-E21A430F9B31}"/>
               </a:ext>
             </a:extLst>
           </p:cNvPr>
@@ -1450,7 +1450,7 @@
           <a:bodyPr/>
           <a:lstStyle/>
           <a:p>
-            <a:fld id="{28E96DFE-E7BE-4723-85B1-4F293545AD93}" type="slidenum">
+            <a:fld id="{222D343F-BC64-4359-95A4-D89BBFB8367E}" type="slidenum">
               <a:rPr lang="zh-CN" altLang="en-US" smtClean="0"/>
               <a:t>‹#›</a:t>
             </a:fld>
@@ -1461,7 +1461,7 @@
     </p:spTree>
     <p:extLst>
       <p:ext uri="{BB962C8B-B14F-4D97-AF65-F5344CB8AC3E}">
-        <p14:creationId xmlns:p14="http://schemas.microsoft.com/office/powerpoint/2010/main" val="3185034429"/>
+        <p14:creationId xmlns:p14="http://schemas.microsoft.com/office/powerpoint/2010/main" val="2461823328"/>
       </p:ext>
     </p:extLst>
   </p:cSld>
@@ -1493,7 +1493,7 @@
           <p:cNvPr id="2" name="标题 1">
             <a:extLst>
               <a:ext uri="{FF2B5EF4-FFF2-40B4-BE49-F238E27FC236}">
-                <a16:creationId xmlns:a16="http://schemas.microsoft.com/office/drawing/2014/main" id="{27A41BC3-5154-ED67-0726-3518ADAE0B7D}"/>
+                <a16:creationId xmlns:a16="http://schemas.microsoft.com/office/drawing/2014/main" id="{70E8854A-9226-7C52-AB98-7316168D96B7}"/>
               </a:ext>
             </a:extLst>
           </p:cNvPr>
@@ -1526,7 +1526,7 @@
           <p:cNvPr id="3" name="文本占位符 2">
             <a:extLst>
               <a:ext uri="{FF2B5EF4-FFF2-40B4-BE49-F238E27FC236}">
-                <a16:creationId xmlns:a16="http://schemas.microsoft.com/office/drawing/2014/main" id="{EC5328CA-E1E3-C044-031F-74B554055F9E}"/>
+                <a16:creationId xmlns:a16="http://schemas.microsoft.com/office/drawing/2014/main" id="{8F606AB5-0467-6432-E483-077D33571112}"/>
               </a:ext>
             </a:extLst>
           </p:cNvPr>
@@ -1597,7 +1597,7 @@
           <p:cNvPr id="4" name="内容占位符 3">
             <a:extLst>
               <a:ext uri="{FF2B5EF4-FFF2-40B4-BE49-F238E27FC236}">
-                <a16:creationId xmlns:a16="http://schemas.microsoft.com/office/drawing/2014/main" id="{B2BD81E8-FA4B-0AA3-AAA8-586D896EE547}"/>
+                <a16:creationId xmlns:a16="http://schemas.microsoft.com/office/drawing/2014/main" id="{6EC4AD3B-5473-7E5E-9BA7-7F64C408FAC4}"/>
               </a:ext>
             </a:extLst>
           </p:cNvPr>
@@ -1659,7 +1659,7 @@
           <p:cNvPr id="5" name="文本占位符 4">
             <a:extLst>
               <a:ext uri="{FF2B5EF4-FFF2-40B4-BE49-F238E27FC236}">
-                <a16:creationId xmlns:a16="http://schemas.microsoft.com/office/drawing/2014/main" id="{70026800-83A5-8E30-6B3C-504F7DB41B80}"/>
+                <a16:creationId xmlns:a16="http://schemas.microsoft.com/office/drawing/2014/main" id="{0AD94906-CF73-D01F-F5DB-E65C24816B2A}"/>
               </a:ext>
             </a:extLst>
           </p:cNvPr>
@@ -1730,7 +1730,7 @@
           <p:cNvPr id="6" name="内容占位符 5">
             <a:extLst>
               <a:ext uri="{FF2B5EF4-FFF2-40B4-BE49-F238E27FC236}">
-                <a16:creationId xmlns:a16="http://schemas.microsoft.com/office/drawing/2014/main" id="{B0CB8E52-A7AD-3C54-4BE7-E5294E05BED6}"/>
+                <a16:creationId xmlns:a16="http://schemas.microsoft.com/office/drawing/2014/main" id="{6826DEC7-2106-8D0A-CE32-0F12B80FF979}"/>
               </a:ext>
             </a:extLst>
           </p:cNvPr>
@@ -1792,7 +1792,7 @@
           <p:cNvPr id="7" name="日期占位符 6">
             <a:extLst>
               <a:ext uri="{FF2B5EF4-FFF2-40B4-BE49-F238E27FC236}">
-                <a16:creationId xmlns:a16="http://schemas.microsoft.com/office/drawing/2014/main" id="{748BE17F-F224-385F-DB6C-5FCEE4D61E0B}"/>
+                <a16:creationId xmlns:a16="http://schemas.microsoft.com/office/drawing/2014/main" id="{6C3399C5-F4FB-E2A4-9CA9-579B81F74DAB}"/>
               </a:ext>
             </a:extLst>
           </p:cNvPr>
@@ -1808,7 +1808,7 @@
           <a:bodyPr/>
           <a:lstStyle/>
           <a:p>
-            <a:fld id="{7F6823AE-83F5-4C0A-AF88-4A268BC799D7}" type="datetimeFigureOut">
+            <a:fld id="{40A555B8-C7BB-4258-9286-F9CA2B42C641}" type="datetimeFigureOut">
               <a:rPr lang="zh-CN" altLang="en-US" smtClean="0"/>
               <a:t>2024/3/10</a:t>
             </a:fld>
@@ -1821,7 +1821,7 @@
           <p:cNvPr id="8" name="页脚占位符 7">
             <a:extLst>
               <a:ext uri="{FF2B5EF4-FFF2-40B4-BE49-F238E27FC236}">
-                <a16:creationId xmlns:a16="http://schemas.microsoft.com/office/drawing/2014/main" id="{ED32A0A0-F177-D63D-7C07-66B2854F9EED}"/>
+                <a16:creationId xmlns:a16="http://schemas.microsoft.com/office/drawing/2014/main" id="{06AA47B2-32E1-2FFD-2977-29A714FC9A14}"/>
               </a:ext>
             </a:extLst>
           </p:cNvPr>
@@ -1846,7 +1846,7 @@
           <p:cNvPr id="9" name="灯片编号占位符 8">
             <a:extLst>
               <a:ext uri="{FF2B5EF4-FFF2-40B4-BE49-F238E27FC236}">
-                <a16:creationId xmlns:a16="http://schemas.microsoft.com/office/drawing/2014/main" id="{2B20AFB2-4BF4-2C90-7388-27C3972E787B}"/>
+                <a16:creationId xmlns:a16="http://schemas.microsoft.com/office/drawing/2014/main" id="{8ECE55F6-5B46-FB2D-6F1E-36393BDB9E7B}"/>
               </a:ext>
             </a:extLst>
           </p:cNvPr>
@@ -1862,7 +1862,7 @@
           <a:bodyPr/>
           <a:lstStyle/>
           <a:p>
-            <a:fld id="{28E96DFE-E7BE-4723-85B1-4F293545AD93}" type="slidenum">
+            <a:fld id="{222D343F-BC64-4359-95A4-D89BBFB8367E}" type="slidenum">
               <a:rPr lang="zh-CN" altLang="en-US" smtClean="0"/>
               <a:t>‹#›</a:t>
             </a:fld>
@@ -1873,7 +1873,7 @@
     </p:spTree>
     <p:extLst>
       <p:ext uri="{BB962C8B-B14F-4D97-AF65-F5344CB8AC3E}">
-        <p14:creationId xmlns:p14="http://schemas.microsoft.com/office/powerpoint/2010/main" val="1849311200"/>
+        <p14:creationId xmlns:p14="http://schemas.microsoft.com/office/powerpoint/2010/main" val="1676114577"/>
       </p:ext>
     </p:extLst>
   </p:cSld>
@@ -1905,7 +1905,7 @@
           <p:cNvPr id="2" name="标题 1">
             <a:extLst>
               <a:ext uri="{FF2B5EF4-FFF2-40B4-BE49-F238E27FC236}">
-                <a16:creationId xmlns:a16="http://schemas.microsoft.com/office/drawing/2014/main" id="{BC46D1A6-5088-6594-A24D-4E96474EF2DB}"/>
+                <a16:creationId xmlns:a16="http://schemas.microsoft.com/office/drawing/2014/main" id="{0F02D4B0-1AAD-6AF9-B42A-A43B2F9B3D58}"/>
               </a:ext>
             </a:extLst>
           </p:cNvPr>
@@ -1933,7 +1933,7 @@
           <p:cNvPr id="3" name="日期占位符 2">
             <a:extLst>
               <a:ext uri="{FF2B5EF4-FFF2-40B4-BE49-F238E27FC236}">
-                <a16:creationId xmlns:a16="http://schemas.microsoft.com/office/drawing/2014/main" id="{4AD93169-754D-3165-BE90-E02FEEDED82C}"/>
+                <a16:creationId xmlns:a16="http://schemas.microsoft.com/office/drawing/2014/main" id="{2DE2E881-89B5-CD76-0B5D-182BECA7E82B}"/>
               </a:ext>
             </a:extLst>
           </p:cNvPr>
@@ -1949,7 +1949,7 @@
           <a:bodyPr/>
           <a:lstStyle/>
           <a:p>
-            <a:fld id="{7F6823AE-83F5-4C0A-AF88-4A268BC799D7}" type="datetimeFigureOut">
+            <a:fld id="{40A555B8-C7BB-4258-9286-F9CA2B42C641}" type="datetimeFigureOut">
               <a:rPr lang="zh-CN" altLang="en-US" smtClean="0"/>
               <a:t>2024/3/10</a:t>
             </a:fld>
@@ -1962,7 +1962,7 @@
           <p:cNvPr id="4" name="页脚占位符 3">
             <a:extLst>
               <a:ext uri="{FF2B5EF4-FFF2-40B4-BE49-F238E27FC236}">
-                <a16:creationId xmlns:a16="http://schemas.microsoft.com/office/drawing/2014/main" id="{1E484F60-7185-79C4-336E-40A3A0E8A7BF}"/>
+                <a16:creationId xmlns:a16="http://schemas.microsoft.com/office/drawing/2014/main" id="{BA9CEFBA-AA7E-D9AF-3591-EC42CCFC5436}"/>
               </a:ext>
             </a:extLst>
           </p:cNvPr>
@@ -1987,7 +1987,7 @@
           <p:cNvPr id="5" name="灯片编号占位符 4">
             <a:extLst>
               <a:ext uri="{FF2B5EF4-FFF2-40B4-BE49-F238E27FC236}">
-                <a16:creationId xmlns:a16="http://schemas.microsoft.com/office/drawing/2014/main" id="{BCAEB9F5-1635-3A1C-43E9-D642EF403F94}"/>
+                <a16:creationId xmlns:a16="http://schemas.microsoft.com/office/drawing/2014/main" id="{A4F88C46-BCA5-931F-55E0-5E070C836269}"/>
               </a:ext>
             </a:extLst>
           </p:cNvPr>
@@ -2003,7 +2003,7 @@
           <a:bodyPr/>
           <a:lstStyle/>
           <a:p>
-            <a:fld id="{28E96DFE-E7BE-4723-85B1-4F293545AD93}" type="slidenum">
+            <a:fld id="{222D343F-BC64-4359-95A4-D89BBFB8367E}" type="slidenum">
               <a:rPr lang="zh-CN" altLang="en-US" smtClean="0"/>
               <a:t>‹#›</a:t>
             </a:fld>
@@ -2014,7 +2014,7 @@
     </p:spTree>
     <p:extLst>
       <p:ext uri="{BB962C8B-B14F-4D97-AF65-F5344CB8AC3E}">
-        <p14:creationId xmlns:p14="http://schemas.microsoft.com/office/powerpoint/2010/main" val="196619899"/>
+        <p14:creationId xmlns:p14="http://schemas.microsoft.com/office/powerpoint/2010/main" val="2744839053"/>
       </p:ext>
     </p:extLst>
   </p:cSld>
@@ -2046,7 +2046,7 @@
           <p:cNvPr id="2" name="日期占位符 1">
             <a:extLst>
               <a:ext uri="{FF2B5EF4-FFF2-40B4-BE49-F238E27FC236}">
-                <a16:creationId xmlns:a16="http://schemas.microsoft.com/office/drawing/2014/main" id="{2E24F532-5089-E4C0-094C-840CBC05FCF6}"/>
+                <a16:creationId xmlns:a16="http://schemas.microsoft.com/office/drawing/2014/main" id="{416FBED2-5BA5-52C9-CD71-B585780BCD2E}"/>
               </a:ext>
             </a:extLst>
           </p:cNvPr>
@@ -2062,7 +2062,7 @@
           <a:bodyPr/>
           <a:lstStyle/>
           <a:p>
-            <a:fld id="{7F6823AE-83F5-4C0A-AF88-4A268BC799D7}" type="datetimeFigureOut">
+            <a:fld id="{40A555B8-C7BB-4258-9286-F9CA2B42C641}" type="datetimeFigureOut">
               <a:rPr lang="zh-CN" altLang="en-US" smtClean="0"/>
               <a:t>2024/3/10</a:t>
             </a:fld>
@@ -2075,7 +2075,7 @@
           <p:cNvPr id="3" name="页脚占位符 2">
             <a:extLst>
               <a:ext uri="{FF2B5EF4-FFF2-40B4-BE49-F238E27FC236}">
-                <a16:creationId xmlns:a16="http://schemas.microsoft.com/office/drawing/2014/main" id="{139479BB-F4DE-3143-076E-99879466F9C2}"/>
+                <a16:creationId xmlns:a16="http://schemas.microsoft.com/office/drawing/2014/main" id="{7EB28D2D-45BF-0126-2C6C-0F932B6A8E73}"/>
               </a:ext>
             </a:extLst>
           </p:cNvPr>
@@ -2100,7 +2100,7 @@
           <p:cNvPr id="4" name="灯片编号占位符 3">
             <a:extLst>
               <a:ext uri="{FF2B5EF4-FFF2-40B4-BE49-F238E27FC236}">
-                <a16:creationId xmlns:a16="http://schemas.microsoft.com/office/drawing/2014/main" id="{5BE7D372-77EC-B34E-286A-AC390B0EFB87}"/>
+                <a16:creationId xmlns:a16="http://schemas.microsoft.com/office/drawing/2014/main" id="{38607E81-93E7-AAA7-3A39-F61D6F6FE2E8}"/>
               </a:ext>
             </a:extLst>
           </p:cNvPr>
@@ -2116,7 +2116,7 @@
           <a:bodyPr/>
           <a:lstStyle/>
           <a:p>
-            <a:fld id="{28E96DFE-E7BE-4723-85B1-4F293545AD93}" type="slidenum">
+            <a:fld id="{222D343F-BC64-4359-95A4-D89BBFB8367E}" type="slidenum">
               <a:rPr lang="zh-CN" altLang="en-US" smtClean="0"/>
               <a:t>‹#›</a:t>
             </a:fld>
@@ -2127,7 +2127,7 @@
     </p:spTree>
     <p:extLst>
       <p:ext uri="{BB962C8B-B14F-4D97-AF65-F5344CB8AC3E}">
-        <p14:creationId xmlns:p14="http://schemas.microsoft.com/office/powerpoint/2010/main" val="959126248"/>
+        <p14:creationId xmlns:p14="http://schemas.microsoft.com/office/powerpoint/2010/main" val="3348158410"/>
       </p:ext>
     </p:extLst>
   </p:cSld>
@@ -2159,7 +2159,7 @@
           <p:cNvPr id="2" name="标题 1">
             <a:extLst>
               <a:ext uri="{FF2B5EF4-FFF2-40B4-BE49-F238E27FC236}">
-                <a16:creationId xmlns:a16="http://schemas.microsoft.com/office/drawing/2014/main" id="{EC2AA2C2-90C2-4313-D6FD-188D9BC60A27}"/>
+                <a16:creationId xmlns:a16="http://schemas.microsoft.com/office/drawing/2014/main" id="{0E1E07DC-8576-398A-3742-8DA12A62CE10}"/>
               </a:ext>
             </a:extLst>
           </p:cNvPr>
@@ -2196,7 +2196,7 @@
           <p:cNvPr id="3" name="内容占位符 2">
             <a:extLst>
               <a:ext uri="{FF2B5EF4-FFF2-40B4-BE49-F238E27FC236}">
-                <a16:creationId xmlns:a16="http://schemas.microsoft.com/office/drawing/2014/main" id="{D1D048FA-4284-448D-F285-F89F31607A73}"/>
+                <a16:creationId xmlns:a16="http://schemas.microsoft.com/office/drawing/2014/main" id="{6FC95165-5A3C-523A-73FC-E324C1049E87}"/>
               </a:ext>
             </a:extLst>
           </p:cNvPr>
@@ -2286,7 +2286,7 @@
           <p:cNvPr id="4" name="文本占位符 3">
             <a:extLst>
               <a:ext uri="{FF2B5EF4-FFF2-40B4-BE49-F238E27FC236}">
-                <a16:creationId xmlns:a16="http://schemas.microsoft.com/office/drawing/2014/main" id="{18933760-6359-9DB8-5362-5025A44AE3B2}"/>
+                <a16:creationId xmlns:a16="http://schemas.microsoft.com/office/drawing/2014/main" id="{BEC5FF22-1F6F-F3D1-34A0-B12CA2835E44}"/>
               </a:ext>
             </a:extLst>
           </p:cNvPr>
@@ -2357,7 +2357,7 @@
           <p:cNvPr id="5" name="日期占位符 4">
             <a:extLst>
               <a:ext uri="{FF2B5EF4-FFF2-40B4-BE49-F238E27FC236}">
-                <a16:creationId xmlns:a16="http://schemas.microsoft.com/office/drawing/2014/main" id="{BE76E181-E079-7618-24DC-311D6638EA0B}"/>
+                <a16:creationId xmlns:a16="http://schemas.microsoft.com/office/drawing/2014/main" id="{642E51F8-C19B-2429-631E-59F3BA534EFF}"/>
               </a:ext>
             </a:extLst>
           </p:cNvPr>
@@ -2373,7 +2373,7 @@
           <a:bodyPr/>
           <a:lstStyle/>
           <a:p>
-            <a:fld id="{7F6823AE-83F5-4C0A-AF88-4A268BC799D7}" type="datetimeFigureOut">
+            <a:fld id="{40A555B8-C7BB-4258-9286-F9CA2B42C641}" type="datetimeFigureOut">
               <a:rPr lang="zh-CN" altLang="en-US" smtClean="0"/>
               <a:t>2024/3/10</a:t>
             </a:fld>
@@ -2386,7 +2386,7 @@
           <p:cNvPr id="6" name="页脚占位符 5">
             <a:extLst>
               <a:ext uri="{FF2B5EF4-FFF2-40B4-BE49-F238E27FC236}">
-                <a16:creationId xmlns:a16="http://schemas.microsoft.com/office/drawing/2014/main" id="{041810BD-349E-EB28-C4AB-4D0C0F9F5965}"/>
+                <a16:creationId xmlns:a16="http://schemas.microsoft.com/office/drawing/2014/main" id="{A3277D92-4FE0-EF27-1B25-1A3CA3F10E98}"/>
               </a:ext>
             </a:extLst>
           </p:cNvPr>
@@ -2411,7 +2411,7 @@
           <p:cNvPr id="7" name="灯片编号占位符 6">
             <a:extLst>
               <a:ext uri="{FF2B5EF4-FFF2-40B4-BE49-F238E27FC236}">
-                <a16:creationId xmlns:a16="http://schemas.microsoft.com/office/drawing/2014/main" id="{0ED41AC1-E453-50A1-9CB5-332AEC495A87}"/>
+                <a16:creationId xmlns:a16="http://schemas.microsoft.com/office/drawing/2014/main" id="{DBF4B3CD-6025-EB1F-E836-583A1ACD3005}"/>
               </a:ext>
             </a:extLst>
           </p:cNvPr>
@@ -2427,7 +2427,7 @@
           <a:bodyPr/>
           <a:lstStyle/>
           <a:p>
-            <a:fld id="{28E96DFE-E7BE-4723-85B1-4F293545AD93}" type="slidenum">
+            <a:fld id="{222D343F-BC64-4359-95A4-D89BBFB8367E}" type="slidenum">
               <a:rPr lang="zh-CN" altLang="en-US" smtClean="0"/>
               <a:t>‹#›</a:t>
             </a:fld>
@@ -2438,7 +2438,7 @@
     </p:spTree>
     <p:extLst>
       <p:ext uri="{BB962C8B-B14F-4D97-AF65-F5344CB8AC3E}">
-        <p14:creationId xmlns:p14="http://schemas.microsoft.com/office/powerpoint/2010/main" val="2382961917"/>
+        <p14:creationId xmlns:p14="http://schemas.microsoft.com/office/powerpoint/2010/main" val="990334456"/>
       </p:ext>
     </p:extLst>
   </p:cSld>
@@ -2470,7 +2470,7 @@
           <p:cNvPr id="2" name="标题 1">
             <a:extLst>
               <a:ext uri="{FF2B5EF4-FFF2-40B4-BE49-F238E27FC236}">
-                <a16:creationId xmlns:a16="http://schemas.microsoft.com/office/drawing/2014/main" id="{737176A3-7C02-1CF7-033C-194B5FE999BB}"/>
+                <a16:creationId xmlns:a16="http://schemas.microsoft.com/office/drawing/2014/main" id="{38E7BC00-BF19-5518-12D3-683DAFDAFD6C}"/>
               </a:ext>
             </a:extLst>
           </p:cNvPr>
@@ -2507,7 +2507,7 @@
           <p:cNvPr id="3" name="图片占位符 2">
             <a:extLst>
               <a:ext uri="{FF2B5EF4-FFF2-40B4-BE49-F238E27FC236}">
-                <a16:creationId xmlns:a16="http://schemas.microsoft.com/office/drawing/2014/main" id="{DD00B200-BA85-0B40-5822-96C4DCFC1E49}"/>
+                <a16:creationId xmlns:a16="http://schemas.microsoft.com/office/drawing/2014/main" id="{C4A52D89-BE1D-C83E-769C-A5032239D8A5}"/>
               </a:ext>
             </a:extLst>
           </p:cNvPr>
@@ -2574,7 +2574,7 @@
           <p:cNvPr id="4" name="文本占位符 3">
             <a:extLst>
               <a:ext uri="{FF2B5EF4-FFF2-40B4-BE49-F238E27FC236}">
-                <a16:creationId xmlns:a16="http://schemas.microsoft.com/office/drawing/2014/main" id="{229843CB-3F7F-3D7F-5BDF-DB04CBB1D52C}"/>
+                <a16:creationId xmlns:a16="http://schemas.microsoft.com/office/drawing/2014/main" id="{8C9B7425-F47B-C107-CDE0-25462823B467}"/>
               </a:ext>
             </a:extLst>
           </p:cNvPr>
@@ -2645,7 +2645,7 @@
           <p:cNvPr id="5" name="日期占位符 4">
             <a:extLst>
               <a:ext uri="{FF2B5EF4-FFF2-40B4-BE49-F238E27FC236}">
-                <a16:creationId xmlns:a16="http://schemas.microsoft.com/office/drawing/2014/main" id="{3D8D685D-9ACB-29DD-B16D-33D0BEB672C8}"/>
+                <a16:creationId xmlns:a16="http://schemas.microsoft.com/office/drawing/2014/main" id="{49CF16DA-1FF3-9312-CB20-0F41A8660587}"/>
               </a:ext>
             </a:extLst>
           </p:cNvPr>
@@ -2661,7 +2661,7 @@
           <a:bodyPr/>
           <a:lstStyle/>
           <a:p>
-            <a:fld id="{7F6823AE-83F5-4C0A-AF88-4A268BC799D7}" type="datetimeFigureOut">
+            <a:fld id="{40A555B8-C7BB-4258-9286-F9CA2B42C641}" type="datetimeFigureOut">
               <a:rPr lang="zh-CN" altLang="en-US" smtClean="0"/>
               <a:t>2024/3/10</a:t>
             </a:fld>
@@ -2674,7 +2674,7 @@
           <p:cNvPr id="6" name="页脚占位符 5">
             <a:extLst>
               <a:ext uri="{FF2B5EF4-FFF2-40B4-BE49-F238E27FC236}">
-                <a16:creationId xmlns:a16="http://schemas.microsoft.com/office/drawing/2014/main" id="{98087B83-182A-4F23-6BE0-B205E00FDD7B}"/>
+                <a16:creationId xmlns:a16="http://schemas.microsoft.com/office/drawing/2014/main" id="{A3370EB7-A347-C055-8CC0-D3D7EA82FB55}"/>
               </a:ext>
             </a:extLst>
           </p:cNvPr>
@@ -2699,7 +2699,7 @@
           <p:cNvPr id="7" name="灯片编号占位符 6">
             <a:extLst>
               <a:ext uri="{FF2B5EF4-FFF2-40B4-BE49-F238E27FC236}">
-                <a16:creationId xmlns:a16="http://schemas.microsoft.com/office/drawing/2014/main" id="{2292136C-005A-A759-EB36-706B3E2A0E04}"/>
+                <a16:creationId xmlns:a16="http://schemas.microsoft.com/office/drawing/2014/main" id="{8FBD20AE-5CDE-ECEB-F234-DA7E13470BD8}"/>
               </a:ext>
             </a:extLst>
           </p:cNvPr>
@@ -2715,7 +2715,7 @@
           <a:bodyPr/>
           <a:lstStyle/>
           <a:p>
-            <a:fld id="{28E96DFE-E7BE-4723-85B1-4F293545AD93}" type="slidenum">
+            <a:fld id="{222D343F-BC64-4359-95A4-D89BBFB8367E}" type="slidenum">
               <a:rPr lang="zh-CN" altLang="en-US" smtClean="0"/>
               <a:t>‹#›</a:t>
             </a:fld>
@@ -2726,7 +2726,7 @@
     </p:spTree>
     <p:extLst>
       <p:ext uri="{BB962C8B-B14F-4D97-AF65-F5344CB8AC3E}">
-        <p14:creationId xmlns:p14="http://schemas.microsoft.com/office/powerpoint/2010/main" val="224863290"/>
+        <p14:creationId xmlns:p14="http://schemas.microsoft.com/office/powerpoint/2010/main" val="2541841428"/>
       </p:ext>
     </p:extLst>
   </p:cSld>
@@ -2763,7 +2763,7 @@
           <p:cNvPr id="2" name="标题占位符 1">
             <a:extLst>
               <a:ext uri="{FF2B5EF4-FFF2-40B4-BE49-F238E27FC236}">
-                <a16:creationId xmlns:a16="http://schemas.microsoft.com/office/drawing/2014/main" id="{C2D17187-DC9D-5409-6C52-FF4E9A34382C}"/>
+                <a16:creationId xmlns:a16="http://schemas.microsoft.com/office/drawing/2014/main" id="{463CD12B-6AE4-3A7E-7845-DC02659C5066}"/>
               </a:ext>
             </a:extLst>
           </p:cNvPr>
@@ -2801,7 +2801,7 @@
           <p:cNvPr id="3" name="文本占位符 2">
             <a:extLst>
               <a:ext uri="{FF2B5EF4-FFF2-40B4-BE49-F238E27FC236}">
-                <a16:creationId xmlns:a16="http://schemas.microsoft.com/office/drawing/2014/main" id="{AF544472-1D48-5EF1-B7D0-EB34E77AA125}"/>
+                <a16:creationId xmlns:a16="http://schemas.microsoft.com/office/drawing/2014/main" id="{D6AAF973-AE59-A463-3C73-06D6DAE57E6A}"/>
               </a:ext>
             </a:extLst>
           </p:cNvPr>
@@ -2868,7 +2868,7 @@
           <p:cNvPr id="4" name="日期占位符 3">
             <a:extLst>
               <a:ext uri="{FF2B5EF4-FFF2-40B4-BE49-F238E27FC236}">
-                <a16:creationId xmlns:a16="http://schemas.microsoft.com/office/drawing/2014/main" id="{3249191B-2D5E-FE81-EF66-FDEFC3F66090}"/>
+                <a16:creationId xmlns:a16="http://schemas.microsoft.com/office/drawing/2014/main" id="{591D0990-07E2-0300-3C3D-C3F5656412C3}"/>
               </a:ext>
             </a:extLst>
           </p:cNvPr>
@@ -2902,7 +2902,7 @@
             </a:lvl1pPr>
           </a:lstStyle>
           <a:p>
-            <a:fld id="{7F6823AE-83F5-4C0A-AF88-4A268BC799D7}" type="datetimeFigureOut">
+            <a:fld id="{40A555B8-C7BB-4258-9286-F9CA2B42C641}" type="datetimeFigureOut">
               <a:rPr lang="zh-CN" altLang="en-US" smtClean="0"/>
               <a:t>2024/3/10</a:t>
             </a:fld>
@@ -2915,7 +2915,7 @@
           <p:cNvPr id="5" name="页脚占位符 4">
             <a:extLst>
               <a:ext uri="{FF2B5EF4-FFF2-40B4-BE49-F238E27FC236}">
-                <a16:creationId xmlns:a16="http://schemas.microsoft.com/office/drawing/2014/main" id="{D7C51E8A-212C-969E-5678-ACC261DCCB41}"/>
+                <a16:creationId xmlns:a16="http://schemas.microsoft.com/office/drawing/2014/main" id="{100E6606-8615-5614-305E-E93948CEB866}"/>
               </a:ext>
             </a:extLst>
           </p:cNvPr>
@@ -2958,7 +2958,7 @@
           <p:cNvPr id="6" name="灯片编号占位符 5">
             <a:extLst>
               <a:ext uri="{FF2B5EF4-FFF2-40B4-BE49-F238E27FC236}">
-                <a16:creationId xmlns:a16="http://schemas.microsoft.com/office/drawing/2014/main" id="{79AB97E2-03FE-C92B-A366-D457A5D3294C}"/>
+                <a16:creationId xmlns:a16="http://schemas.microsoft.com/office/drawing/2014/main" id="{0266B05A-CD38-43AB-392E-7C4249365CD0}"/>
               </a:ext>
             </a:extLst>
           </p:cNvPr>
@@ -2992,7 +2992,7 @@
             </a:lvl1pPr>
           </a:lstStyle>
           <a:p>
-            <a:fld id="{28E96DFE-E7BE-4723-85B1-4F293545AD93}" type="slidenum">
+            <a:fld id="{222D343F-BC64-4359-95A4-D89BBFB8367E}" type="slidenum">
               <a:rPr lang="zh-CN" altLang="en-US" smtClean="0"/>
               <a:t>‹#›</a:t>
             </a:fld>
@@ -3003,7 +3003,7 @@
     </p:spTree>
     <p:extLst>
       <p:ext uri="{BB962C8B-B14F-4D97-AF65-F5344CB8AC3E}">
-        <p14:creationId xmlns:p14="http://schemas.microsoft.com/office/powerpoint/2010/main" val="699683114"/>
+        <p14:creationId xmlns:p14="http://schemas.microsoft.com/office/powerpoint/2010/main" val="21064209"/>
       </p:ext>
     </p:extLst>
   </p:cSld>
